--- a/practice/5 Tailwind Volume 2.pptx
+++ b/practice/5 Tailwind Volume 2.pptx
@@ -14,7 +14,9 @@
     <p:sldId id="264" r:id="rId8"/>
     <p:sldId id="265" r:id="rId9"/>
     <p:sldId id="266" r:id="rId10"/>
-    <p:sldId id="267" r:id="rId11"/>
+    <p:sldId id="269" r:id="rId11"/>
+    <p:sldId id="270" r:id="rId12"/>
+    <p:sldId id="267" r:id="rId13"/>
   </p:sldIdLst>
   <p:sldSz cx="12192000" cy="6858000"/>
   <p:notesSz cx="6858000" cy="9144000"/>
@@ -306,7 +308,7 @@
           <a:p>
             <a:fld id="{88D38747-4367-4BD2-8D51-C97E202738E2}" type="datetime1">
               <a:rPr lang="en-US" smtClean="0"/>
-              <a:t>11/16/2024</a:t>
+              <a:t>12/18/2024</a:t>
             </a:fld>
             <a:endParaRPr lang="en-US" dirty="0"/>
           </a:p>
@@ -611,7 +613,7 @@
           <a:p>
             <a:fld id="{11F1B079-7EF0-44EE-B798-BCC497C9F3B2}" type="datetime1">
               <a:rPr lang="en-US" smtClean="0"/>
-              <a:t>11/16/2024</a:t>
+              <a:t>12/18/2024</a:t>
             </a:fld>
             <a:endParaRPr lang="en-US" dirty="0"/>
           </a:p>
@@ -805,7 +807,7 @@
           <a:p>
             <a:fld id="{28FF70A8-1D13-4657-95F0-A9EA54967B8D}" type="datetime1">
               <a:rPr lang="en-US" smtClean="0"/>
-              <a:t>11/16/2024</a:t>
+              <a:t>12/18/2024</a:t>
             </a:fld>
             <a:endParaRPr lang="en-US" dirty="0"/>
           </a:p>
@@ -1068,7 +1070,7 @@
           <a:p>
             <a:fld id="{21EB90AC-71BD-4C7F-8ACA-7B3F18292E63}" type="datetime1">
               <a:rPr lang="en-US" smtClean="0"/>
-              <a:t>11/16/2024</a:t>
+              <a:t>12/18/2024</a:t>
             </a:fld>
             <a:endParaRPr lang="en-US" dirty="0"/>
           </a:p>
@@ -1504,7 +1506,7 @@
           <a:p>
             <a:fld id="{4E6EFC2C-8905-46F0-B443-CE905B76BA01}" type="datetime1">
               <a:rPr lang="en-US" smtClean="0"/>
-              <a:t>11/16/2024</a:t>
+              <a:t>12/18/2024</a:t>
             </a:fld>
             <a:endParaRPr lang="en-US" dirty="0"/>
           </a:p>
@@ -2041,7 +2043,7 @@
           <a:p>
             <a:fld id="{D9079DC3-C9B5-499E-9140-0DC28B7074E2}" type="datetime1">
               <a:rPr lang="en-US" smtClean="0"/>
-              <a:t>11/16/2024</a:t>
+              <a:t>12/18/2024</a:t>
             </a:fld>
             <a:endParaRPr lang="en-US" dirty="0"/>
           </a:p>
@@ -2923,7 +2925,7 @@
           <a:p>
             <a:fld id="{30BB33EA-E472-4D22-9C03-A9C14AA21CED}" type="datetime1">
               <a:rPr lang="en-US" smtClean="0"/>
-              <a:t>11/16/2024</a:t>
+              <a:t>12/18/2024</a:t>
             </a:fld>
             <a:endParaRPr lang="en-US" dirty="0"/>
           </a:p>
@@ -3093,7 +3095,7 @@
           <a:p>
             <a:fld id="{217E833E-1B6D-415F-AD29-75AE8C43BD0D}" type="datetime1">
               <a:rPr lang="en-US" smtClean="0"/>
-              <a:t>11/16/2024</a:t>
+              <a:t>12/18/2024</a:t>
             </a:fld>
             <a:endParaRPr lang="en-US" dirty="0"/>
           </a:p>
@@ -3277,7 +3279,7 @@
           <a:p>
             <a:fld id="{8452596F-08A7-4B70-989A-F2B1CF31E66B}" type="datetime1">
               <a:rPr lang="en-US" smtClean="0"/>
-              <a:t>11/16/2024</a:t>
+              <a:t>12/18/2024</a:t>
             </a:fld>
             <a:endParaRPr lang="en-US" dirty="0"/>
           </a:p>
@@ -3447,7 +3449,7 @@
           <a:p>
             <a:fld id="{73C55A3C-5767-4844-A0A3-83778C2E5409}" type="datetime1">
               <a:rPr lang="en-US" smtClean="0"/>
-              <a:t>11/16/2024</a:t>
+              <a:t>12/18/2024</a:t>
             </a:fld>
             <a:endParaRPr lang="en-US" dirty="0"/>
           </a:p>
@@ -3691,7 +3693,7 @@
           <a:p>
             <a:fld id="{CAE507A8-A5CF-4D38-AB86-7EDDA87A85D4}" type="datetime1">
               <a:rPr lang="en-US" smtClean="0"/>
-              <a:t>11/16/2024</a:t>
+              <a:t>12/18/2024</a:t>
             </a:fld>
             <a:endParaRPr lang="en-US" dirty="0"/>
           </a:p>
@@ -3933,7 +3935,7 @@
           <a:p>
             <a:fld id="{BDFCD27C-8599-43EF-BA1D-14DDC1946E06}" type="datetime1">
               <a:rPr lang="en-US" smtClean="0"/>
-              <a:t>11/16/2024</a:t>
+              <a:t>12/18/2024</a:t>
             </a:fld>
             <a:endParaRPr lang="en-US" dirty="0"/>
           </a:p>
@@ -4416,7 +4418,7 @@
           <a:p>
             <a:fld id="{49343D99-809A-49C0-96E5-4250D0B498EE}" type="datetime1">
               <a:rPr lang="en-US" smtClean="0"/>
-              <a:t>11/16/2024</a:t>
+              <a:t>12/18/2024</a:t>
             </a:fld>
             <a:endParaRPr lang="en-US" dirty="0"/>
           </a:p>
@@ -4534,7 +4536,7 @@
           <a:p>
             <a:fld id="{A143DE9B-B678-4EFB-BB7D-A4370204A0B0}" type="datetime1">
               <a:rPr lang="en-US" smtClean="0"/>
-              <a:t>11/16/2024</a:t>
+              <a:t>12/18/2024</a:t>
             </a:fld>
             <a:endParaRPr lang="en-US" dirty="0"/>
           </a:p>
@@ -4629,7 +4631,7 @@
           <a:p>
             <a:fld id="{E68812DA-F765-4142-A6A3-A8ED7235E082}" type="datetime1">
               <a:rPr lang="en-US" smtClean="0"/>
-              <a:t>11/16/2024</a:t>
+              <a:t>12/18/2024</a:t>
             </a:fld>
             <a:endParaRPr lang="en-US" dirty="0"/>
           </a:p>
@@ -4884,7 +4886,7 @@
           <a:p>
             <a:fld id="{3E0277FD-7DE6-41D4-930D-AC99F5AFE54E}" type="datetime1">
               <a:rPr lang="en-US" smtClean="0"/>
-              <a:t>11/16/2024</a:t>
+              <a:t>12/18/2024</a:t>
             </a:fld>
             <a:endParaRPr lang="en-US" dirty="0"/>
           </a:p>
@@ -5191,7 +5193,7 @@
           <a:p>
             <a:fld id="{9EA15526-7079-4B7B-987C-1B5FAE11A0FF}" type="datetime1">
               <a:rPr lang="en-US" smtClean="0"/>
-              <a:t>11/16/2024</a:t>
+              <a:t>12/18/2024</a:t>
             </a:fld>
             <a:endParaRPr lang="en-US" dirty="0"/>
           </a:p>
@@ -5426,7 +5428,7 @@
           <a:p>
             <a:fld id="{073ED0CC-082F-4160-86E5-0D6041F12778}" type="datetime1">
               <a:rPr lang="en-US" smtClean="0"/>
-              <a:t>11/16/2024</a:t>
+              <a:t>12/18/2024</a:t>
             </a:fld>
             <a:endParaRPr lang="en-US" dirty="0"/>
           </a:p>
@@ -6268,6 +6270,226 @@
           <p:cNvPr id="2" name="Title 1">
             <a:extLst>
               <a:ext uri="{FF2B5EF4-FFF2-40B4-BE49-F238E27FC236}">
+                <a16:creationId xmlns:a16="http://schemas.microsoft.com/office/drawing/2014/main" id="{26FDE34F-DE41-4A88-AD9F-863DAF0A8B62}"/>
+              </a:ext>
+            </a:extLst>
+          </p:cNvPr>
+          <p:cNvSpPr>
+            <a:spLocks noGrp="1"/>
+          </p:cNvSpPr>
+          <p:nvPr>
+            <p:ph type="title"/>
+          </p:nvPr>
+        </p:nvSpPr>
+        <p:spPr/>
+        <p:txBody>
+          <a:bodyPr/>
+          <a:lstStyle/>
+          <a:p>
+            <a:endParaRPr lang="ru-KZ"/>
+          </a:p>
+        </p:txBody>
+      </p:sp>
+      <p:sp>
+        <p:nvSpPr>
+          <p:cNvPr id="3" name="Content Placeholder 2">
+            <a:extLst>
+              <a:ext uri="{FF2B5EF4-FFF2-40B4-BE49-F238E27FC236}">
+                <a16:creationId xmlns:a16="http://schemas.microsoft.com/office/drawing/2014/main" id="{7CBCA0AF-A214-4394-9698-31E20C035278}"/>
+              </a:ext>
+            </a:extLst>
+          </p:cNvPr>
+          <p:cNvSpPr>
+            <a:spLocks noGrp="1"/>
+          </p:cNvSpPr>
+          <p:nvPr>
+            <p:ph idx="1"/>
+          </p:nvPr>
+        </p:nvSpPr>
+        <p:spPr/>
+        <p:txBody>
+          <a:bodyPr/>
+          <a:lstStyle/>
+          <a:p>
+            <a:endParaRPr lang="ru-KZ"/>
+          </a:p>
+        </p:txBody>
+      </p:sp>
+      <p:pic>
+        <p:nvPicPr>
+          <p:cNvPr id="5" name="Picture 4">
+            <a:extLst>
+              <a:ext uri="{FF2B5EF4-FFF2-40B4-BE49-F238E27FC236}">
+                <a16:creationId xmlns:a16="http://schemas.microsoft.com/office/drawing/2014/main" id="{AF69FA9C-26A1-4C93-9EED-66702EACB705}"/>
+              </a:ext>
+            </a:extLst>
+          </p:cNvPr>
+          <p:cNvPicPr>
+            <a:picLocks noChangeAspect="1"/>
+          </p:cNvPicPr>
+          <p:nvPr/>
+        </p:nvPicPr>
+        <p:blipFill>
+          <a:blip r:embed="rId2"/>
+          <a:stretch>
+            <a:fillRect/>
+          </a:stretch>
+        </p:blipFill>
+        <p:spPr>
+          <a:xfrm>
+            <a:off x="2424112" y="138112"/>
+            <a:ext cx="7343775" cy="6581775"/>
+          </a:xfrm>
+          <a:prstGeom prst="rect">
+            <a:avLst/>
+          </a:prstGeom>
+        </p:spPr>
+      </p:pic>
+    </p:spTree>
+    <p:extLst>
+      <p:ext uri="{BB962C8B-B14F-4D97-AF65-F5344CB8AC3E}">
+        <p14:creationId xmlns:p14="http://schemas.microsoft.com/office/powerpoint/2010/main" val="2784364641"/>
+      </p:ext>
+    </p:extLst>
+  </p:cSld>
+  <p:clrMapOvr>
+    <a:masterClrMapping/>
+  </p:clrMapOvr>
+</p:sld>
+</file>
+
+<file path=ppt/slides/slide11.xml><?xml version="1.0" encoding="utf-8"?>
+<p:sld xmlns:a="http://schemas.openxmlformats.org/drawingml/2006/main" xmlns:r="http://schemas.openxmlformats.org/officeDocument/2006/relationships" xmlns:p="http://schemas.openxmlformats.org/presentationml/2006/main">
+  <p:cSld>
+    <p:spTree>
+      <p:nvGrpSpPr>
+        <p:cNvPr id="1" name=""/>
+        <p:cNvGrpSpPr/>
+        <p:nvPr/>
+      </p:nvGrpSpPr>
+      <p:grpSpPr>
+        <a:xfrm>
+          <a:off x="0" y="0"/>
+          <a:ext cx="0" cy="0"/>
+          <a:chOff x="0" y="0"/>
+          <a:chExt cx="0" cy="0"/>
+        </a:xfrm>
+      </p:grpSpPr>
+      <p:sp>
+        <p:nvSpPr>
+          <p:cNvPr id="2" name="Title 1">
+            <a:extLst>
+              <a:ext uri="{FF2B5EF4-FFF2-40B4-BE49-F238E27FC236}">
+                <a16:creationId xmlns:a16="http://schemas.microsoft.com/office/drawing/2014/main" id="{77D55FAC-7498-4F09-A857-FE0B814E7A1A}"/>
+              </a:ext>
+            </a:extLst>
+          </p:cNvPr>
+          <p:cNvSpPr>
+            <a:spLocks noGrp="1"/>
+          </p:cNvSpPr>
+          <p:nvPr>
+            <p:ph type="title"/>
+          </p:nvPr>
+        </p:nvSpPr>
+        <p:spPr/>
+        <p:txBody>
+          <a:bodyPr/>
+          <a:lstStyle/>
+          <a:p>
+            <a:endParaRPr lang="ru-KZ"/>
+          </a:p>
+        </p:txBody>
+      </p:sp>
+      <p:sp>
+        <p:nvSpPr>
+          <p:cNvPr id="3" name="Content Placeholder 2">
+            <a:extLst>
+              <a:ext uri="{FF2B5EF4-FFF2-40B4-BE49-F238E27FC236}">
+                <a16:creationId xmlns:a16="http://schemas.microsoft.com/office/drawing/2014/main" id="{B7A73AC7-C198-4206-BE1E-E60F5CEFBC93}"/>
+              </a:ext>
+            </a:extLst>
+          </p:cNvPr>
+          <p:cNvSpPr>
+            <a:spLocks noGrp="1"/>
+          </p:cNvSpPr>
+          <p:nvPr>
+            <p:ph idx="1"/>
+          </p:nvPr>
+        </p:nvSpPr>
+        <p:spPr/>
+        <p:txBody>
+          <a:bodyPr/>
+          <a:lstStyle/>
+          <a:p>
+            <a:endParaRPr lang="ru-KZ" dirty="0"/>
+          </a:p>
+        </p:txBody>
+      </p:sp>
+      <p:pic>
+        <p:nvPicPr>
+          <p:cNvPr id="5" name="Picture 4">
+            <a:extLst>
+              <a:ext uri="{FF2B5EF4-FFF2-40B4-BE49-F238E27FC236}">
+                <a16:creationId xmlns:a16="http://schemas.microsoft.com/office/drawing/2014/main" id="{F220B932-664E-4C7B-9FAD-8771FFAD7CC0}"/>
+              </a:ext>
+            </a:extLst>
+          </p:cNvPr>
+          <p:cNvPicPr>
+            <a:picLocks noChangeAspect="1"/>
+          </p:cNvPicPr>
+          <p:nvPr/>
+        </p:nvPicPr>
+        <p:blipFill>
+          <a:blip r:embed="rId2"/>
+          <a:stretch>
+            <a:fillRect/>
+          </a:stretch>
+        </p:blipFill>
+        <p:spPr>
+          <a:xfrm>
+            <a:off x="1570224" y="866731"/>
+            <a:ext cx="8739793" cy="5124537"/>
+          </a:xfrm>
+          <a:prstGeom prst="rect">
+            <a:avLst/>
+          </a:prstGeom>
+        </p:spPr>
+      </p:pic>
+    </p:spTree>
+    <p:extLst>
+      <p:ext uri="{BB962C8B-B14F-4D97-AF65-F5344CB8AC3E}">
+        <p14:creationId xmlns:p14="http://schemas.microsoft.com/office/powerpoint/2010/main" val="2449194542"/>
+      </p:ext>
+    </p:extLst>
+  </p:cSld>
+  <p:clrMapOvr>
+    <a:masterClrMapping/>
+  </p:clrMapOvr>
+</p:sld>
+</file>
+
+<file path=ppt/slides/slide12.xml><?xml version="1.0" encoding="utf-8"?>
+<p:sld xmlns:a="http://schemas.openxmlformats.org/drawingml/2006/main" xmlns:r="http://schemas.openxmlformats.org/officeDocument/2006/relationships" xmlns:p="http://schemas.openxmlformats.org/presentationml/2006/main">
+  <p:cSld>
+    <p:spTree>
+      <p:nvGrpSpPr>
+        <p:cNvPr id="1" name=""/>
+        <p:cNvGrpSpPr/>
+        <p:nvPr/>
+      </p:nvGrpSpPr>
+      <p:grpSpPr>
+        <a:xfrm>
+          <a:off x="0" y="0"/>
+          <a:ext cx="0" cy="0"/>
+          <a:chOff x="0" y="0"/>
+          <a:chExt cx="0" cy="0"/>
+        </a:xfrm>
+      </p:grpSpPr>
+      <p:sp>
+        <p:nvSpPr>
+          <p:cNvPr id="2" name="Title 1">
+            <a:extLst>
+              <a:ext uri="{FF2B5EF4-FFF2-40B4-BE49-F238E27FC236}">
                 <a16:creationId xmlns:a16="http://schemas.microsoft.com/office/drawing/2014/main" id="{BF0C0296-F15D-4DC2-9C4B-EBCC96E33386}"/>
               </a:ext>
             </a:extLst>
@@ -7750,6 +7972,36 @@
           </a:p>
         </p:txBody>
       </p:sp>
+      <p:pic>
+        <p:nvPicPr>
+          <p:cNvPr id="5" name="Picture 4">
+            <a:extLst>
+              <a:ext uri="{FF2B5EF4-FFF2-40B4-BE49-F238E27FC236}">
+                <a16:creationId xmlns:a16="http://schemas.microsoft.com/office/drawing/2014/main" id="{AE652B95-AC6D-4691-BDD4-39208D37F902}"/>
+              </a:ext>
+            </a:extLst>
+          </p:cNvPr>
+          <p:cNvPicPr>
+            <a:picLocks noChangeAspect="1"/>
+          </p:cNvPicPr>
+          <p:nvPr/>
+        </p:nvPicPr>
+        <p:blipFill>
+          <a:blip r:embed="rId3"/>
+          <a:stretch>
+            <a:fillRect/>
+          </a:stretch>
+        </p:blipFill>
+        <p:spPr>
+          <a:xfrm>
+            <a:off x="0" y="2297906"/>
+            <a:ext cx="12198965" cy="3271836"/>
+          </a:xfrm>
+          <a:prstGeom prst="rect">
+            <a:avLst/>
+          </a:prstGeom>
+        </p:spPr>
+      </p:pic>
     </p:spTree>
     <p:extLst>
       <p:ext uri="{BB962C8B-B14F-4D97-AF65-F5344CB8AC3E}">
